--- a/GCF Presentation.pptx
+++ b/GCF Presentation.pptx
@@ -4251,7 +4251,27 @@
           <a:p>
             <a:r>
               <a:rPr lang="en-US" dirty="0" smtClean="0"/>
-              <a:t>In the end Rachel completed her Agricultural certification through GFS and She gives back</a:t>
+              <a:t>In the end Rachel completed her Agricultural </a:t>
+            </a:r>
+            <a:r>
+              <a:rPr lang="en-US" dirty="0" smtClean="0"/>
+              <a:t>Planning certification </a:t>
+            </a:r>
+            <a:r>
+              <a:rPr lang="en-US" dirty="0" smtClean="0"/>
+              <a:t>through GFS and </a:t>
+            </a:r>
+            <a:r>
+              <a:rPr lang="en-US" dirty="0" smtClean="0"/>
+              <a:t>she continues to give </a:t>
+            </a:r>
+            <a:r>
+              <a:rPr lang="en-US" dirty="0" smtClean="0"/>
+              <a:t>back to the community </a:t>
+            </a:r>
+            <a:r>
+              <a:rPr lang="en-US" smtClean="0"/>
+              <a:t>around her home.</a:t>
             </a:r>
             <a:endParaRPr lang="en-US" dirty="0"/>
           </a:p>
@@ -5098,15 +5118,35 @@
           <a:p>
             <a:r>
               <a:rPr lang="en-US" dirty="0" smtClean="0"/>
-              <a:t>One day, while visiting the Urban Farm outside the Howard Homes, Rachel and her grandmother were introduced to a new app by the volunteers working there.</a:t>
-            </a:r>
-          </a:p>
-          <a:p>
-            <a:r>
-              <a:rPr lang="en-US" u="sng" dirty="0" smtClean="0"/>
-              <a:t>The new app allowed her Grandmother to keep track of what the farm needed</a:t>
-            </a:r>
-            <a:endParaRPr lang="en-US" u="sng" dirty="0"/>
+              <a:t>One day, </a:t>
+            </a:r>
+            <a:r>
+              <a:rPr lang="en-US" dirty="0" smtClean="0"/>
+              <a:t>Rachel’s grandmother had </a:t>
+            </a:r>
+            <a:r>
+              <a:rPr lang="en-US" dirty="0"/>
+              <a:t>R</a:t>
+            </a:r>
+            <a:r>
+              <a:rPr lang="en-US" dirty="0" smtClean="0"/>
+              <a:t>achel stop by the farm outside of </a:t>
+            </a:r>
+            <a:r>
+              <a:rPr lang="en-US" dirty="0" smtClean="0"/>
+              <a:t>Howard Homes to drop of some compost in exchange for some apples.</a:t>
+            </a:r>
+          </a:p>
+          <a:p>
+            <a:r>
+              <a:rPr lang="en-US" dirty="0"/>
+              <a:t>T</a:t>
+            </a:r>
+            <a:r>
+              <a:rPr lang="en-US" dirty="0" smtClean="0"/>
+              <a:t>he volunteers at the farm introduced Rachel to their new app, a requirement in order to drop of compost or volunteer in the future.</a:t>
+            </a:r>
+            <a:endParaRPr lang="en-US" dirty="0" smtClean="0"/>
           </a:p>
         </p:txBody>
       </p:sp>
@@ -5187,7 +5227,13 @@
           <a:p>
             <a:r>
               <a:rPr lang="en-US" dirty="0" smtClean="0"/>
-              <a:t>Rachel didn’t really have time to </a:t>
+              <a:t>After Rachel got home, she opened up the app to explore it. She didn’t really expect to catch her eye, but she stopped when she saw the reward system. </a:t>
+            </a:r>
+          </a:p>
+          <a:p>
+            <a:r>
+              <a:rPr lang="en-US" dirty="0" smtClean="0"/>
+              <a:t>Rachel had been looking to improve on her high school diploma, and she found that one of the rewards for volunteering was a professional certification.</a:t>
             </a:r>
             <a:endParaRPr lang="en-US" dirty="0"/>
           </a:p>
@@ -5268,7 +5314,35 @@
           <a:bodyPr/>
           <a:lstStyle/>
           <a:p>
-            <a:endParaRPr lang="en-US" dirty="0"/>
+            <a:r>
+              <a:rPr lang="en-US" dirty="0" smtClean="0"/>
+              <a:t>Rachel used the app to track her hours and credits toward her certificate</a:t>
+            </a:r>
+          </a:p>
+          <a:p>
+            <a:r>
+              <a:rPr lang="en-US" dirty="0" smtClean="0"/>
+              <a:t>She used it </a:t>
+            </a:r>
+            <a:r>
+              <a:rPr lang="en-US" dirty="0" smtClean="0"/>
+              <a:t>to prepare for the </a:t>
+            </a:r>
+            <a:r>
+              <a:rPr lang="en-US" dirty="0" smtClean="0"/>
+              <a:t>right </a:t>
+            </a:r>
+            <a:r>
+              <a:rPr lang="en-US" dirty="0" smtClean="0"/>
+              <a:t>work at the farm </a:t>
+            </a:r>
+          </a:p>
+          <a:p>
+            <a:r>
+              <a:rPr lang="en-US" dirty="0" smtClean="0"/>
+              <a:t>She used the referral system to get friends to the farm and gain even more credits towards her certificate.</a:t>
+            </a:r>
+            <a:endParaRPr lang="en-US" dirty="0" smtClean="0"/>
           </a:p>
         </p:txBody>
       </p:sp>
